--- a/artifacts/demo/Email_Classification.pptx
+++ b/artifacts/demo/Email_Classification.pptx
@@ -6,18 +6,15 @@
   </p:sldMasterIdLst>
   <p:sldIdLst>
     <p:sldId id="256" r:id="rId2"/>
-    <p:sldId id="257" r:id="rId3"/>
-    <p:sldId id="258" r:id="rId4"/>
-    <p:sldId id="259" r:id="rId5"/>
-    <p:sldId id="266" r:id="rId6"/>
-    <p:sldId id="260" r:id="rId7"/>
-    <p:sldId id="261" r:id="rId8"/>
-    <p:sldId id="263" r:id="rId9"/>
-    <p:sldId id="264" r:id="rId10"/>
-    <p:sldId id="268" r:id="rId11"/>
-    <p:sldId id="269" r:id="rId12"/>
-    <p:sldId id="267" r:id="rId13"/>
-    <p:sldId id="265" r:id="rId14"/>
+    <p:sldId id="259" r:id="rId3"/>
+    <p:sldId id="266" r:id="rId4"/>
+    <p:sldId id="260" r:id="rId5"/>
+    <p:sldId id="261" r:id="rId6"/>
+    <p:sldId id="264" r:id="rId7"/>
+    <p:sldId id="268" r:id="rId8"/>
+    <p:sldId id="269" r:id="rId9"/>
+    <p:sldId id="267" r:id="rId10"/>
+    <p:sldId id="265" r:id="rId11"/>
   </p:sldIdLst>
   <p:sldSz cx="9144000" cy="6858000" type="screen4x3"/>
   <p:notesSz cx="6858000" cy="9144000"/>
@@ -3763,803 +3760,6 @@
       </p:grpSpPr>
       <p:sp>
         <p:nvSpPr>
-          <p:cNvPr id="2" name="Title 1">
-            <a:extLst>
-              <a:ext uri="{FF2B5EF4-FFF2-40B4-BE49-F238E27FC236}">
-                <a16:creationId xmlns:a16="http://schemas.microsoft.com/office/drawing/2014/main" id="{984DD9FD-5272-DBF7-014A-9EABA31A0428}"/>
-              </a:ext>
-            </a:extLst>
-          </p:cNvPr>
-          <p:cNvSpPr>
-            <a:spLocks noGrp="1"/>
-          </p:cNvSpPr>
-          <p:nvPr>
-            <p:ph type="title"/>
-          </p:nvPr>
-        </p:nvSpPr>
-        <p:spPr/>
-        <p:txBody>
-          <a:bodyPr/>
-          <a:lstStyle/>
-          <a:p>
-            <a:r>
-              <a:rPr lang="en-IN" dirty="0"/>
-              <a:t>Sample responses</a:t>
-            </a:r>
-          </a:p>
-        </p:txBody>
-      </p:sp>
-      <p:sp>
-        <p:nvSpPr>
-          <p:cNvPr id="3" name="Content Placeholder 2">
-            <a:extLst>
-              <a:ext uri="{FF2B5EF4-FFF2-40B4-BE49-F238E27FC236}">
-                <a16:creationId xmlns:a16="http://schemas.microsoft.com/office/drawing/2014/main" id="{86F289EA-1355-A0D6-6AA9-1B8ECB670FD7}"/>
-              </a:ext>
-            </a:extLst>
-          </p:cNvPr>
-          <p:cNvSpPr>
-            <a:spLocks noGrp="1"/>
-          </p:cNvSpPr>
-          <p:nvPr>
-            <p:ph idx="1"/>
-          </p:nvPr>
-        </p:nvSpPr>
-        <p:spPr/>
-        <p:txBody>
-          <a:bodyPr>
-            <a:normAutofit fontScale="40000" lnSpcReduction="20000"/>
-          </a:bodyPr>
-          <a:lstStyle/>
-          <a:p>
-            <a:pPr marL="0" indent="0">
-              <a:buNone/>
-            </a:pPr>
-            <a:r>
-              <a:rPr lang="en-IN" dirty="0"/>
-              <a:t>Duplicate file:</a:t>
-            </a:r>
-          </a:p>
-          <a:p>
-            <a:endParaRPr lang="en-IN" dirty="0"/>
-          </a:p>
-          <a:p>
-            <a:pPr>
-              <a:lnSpc>
-                <a:spcPts val="1425"/>
-              </a:lnSpc>
-              <a:buNone/>
-            </a:pPr>
-            <a:r>
-              <a:rPr lang="en-IN" b="0" dirty="0">
-                <a:effectLst/>
-                <a:latin typeface="Consolas" panose="020B0609020204030204" pitchFamily="49" charset="0"/>
-              </a:rPr>
-              <a:t>"duplicate": true,</a:t>
-            </a:r>
-          </a:p>
-          <a:p>
-            <a:pPr>
-              <a:lnSpc>
-                <a:spcPts val="1425"/>
-              </a:lnSpc>
-              <a:buNone/>
-            </a:pPr>
-            <a:r>
-              <a:rPr lang="en-IN" b="0" dirty="0">
-                <a:effectLst/>
-                <a:latin typeface="Consolas" panose="020B0609020204030204" pitchFamily="49" charset="0"/>
-              </a:rPr>
-              <a:t>    "</a:t>
-            </a:r>
-            <a:r>
-              <a:rPr lang="en-IN" b="0" dirty="0" err="1">
-                <a:effectLst/>
-                <a:latin typeface="Consolas" panose="020B0609020204030204" pitchFamily="49" charset="0"/>
-              </a:rPr>
-              <a:t>duplicate_of</a:t>
-            </a:r>
-            <a:r>
-              <a:rPr lang="en-IN" b="0" dirty="0">
-                <a:effectLst/>
-                <a:latin typeface="Consolas" panose="020B0609020204030204" pitchFamily="49" charset="0"/>
-              </a:rPr>
-              <a:t>": "Shravan\n\n[Attachment: 2023.11.10_CANTO R FITZGERA 24FEB21.pdf]\</a:t>
-            </a:r>
-            <a:r>
-              <a:rPr lang="en-IN" b="0" dirty="0" err="1">
-                <a:effectLst/>
-                <a:latin typeface="Consolas" panose="020B0609020204030204" pitchFamily="49" charset="0"/>
-              </a:rPr>
-              <a:t>nSubject</a:t>
-            </a:r>
-            <a:r>
-              <a:rPr lang="en-IN" b="0" dirty="0">
-                <a:effectLst/>
-                <a:latin typeface="Consolas" panose="020B0609020204030204" pitchFamily="49" charset="0"/>
-              </a:rPr>
-              <a:t>: Request for Money Movement Inbound\</a:t>
-            </a:r>
-            <a:r>
-              <a:rPr lang="en-IN" b="0" dirty="0" err="1">
-                <a:effectLst/>
-                <a:latin typeface="Consolas" panose="020B0609020204030204" pitchFamily="49" charset="0"/>
-              </a:rPr>
-              <a:t>nDear</a:t>
-            </a:r>
-            <a:r>
-              <a:rPr lang="en-IN" b="0" dirty="0">
-                <a:effectLst/>
-                <a:latin typeface="Consolas" panose="020B0609020204030204" pitchFamily="49" charset="0"/>
-              </a:rPr>
-              <a:t> Team,\</a:t>
-            </a:r>
-            <a:r>
-              <a:rPr lang="en-IN" b="0" dirty="0" err="1">
-                <a:effectLst/>
-                <a:latin typeface="Consolas" panose="020B0609020204030204" pitchFamily="49" charset="0"/>
-              </a:rPr>
-              <a:t>nI</a:t>
-            </a:r>
-            <a:r>
-              <a:rPr lang="en-IN" b="0" dirty="0">
-                <a:effectLst/>
-                <a:latin typeface="Consolas" panose="020B0609020204030204" pitchFamily="49" charset="0"/>
-              </a:rPr>
-              <a:t> would like to request a money movement for the following transaction:\n- Amount: $10,000\n- Type: Principal + Interest\n- Date: 24FEB21\n- Account: CANTO R FITZGERA\</a:t>
-            </a:r>
-            <a:r>
-              <a:rPr lang="en-IN" b="0" dirty="0" err="1">
-                <a:effectLst/>
-                <a:latin typeface="Consolas" panose="020B0609020204030204" pitchFamily="49" charset="0"/>
-              </a:rPr>
-              <a:t>nPlease</a:t>
-            </a:r>
-            <a:r>
-              <a:rPr lang="en-IN" b="0" dirty="0">
-                <a:effectLst/>
-                <a:latin typeface="Consolas" panose="020B0609020204030204" pitchFamily="49" charset="0"/>
-              </a:rPr>
-              <a:t> process this request at the earliest.\</a:t>
-            </a:r>
-            <a:r>
-              <a:rPr lang="en-IN" b="0" dirty="0" err="1">
-                <a:effectLst/>
-                <a:latin typeface="Consolas" panose="020B0609020204030204" pitchFamily="49" charset="0"/>
-              </a:rPr>
-              <a:t>nBest</a:t>
-            </a:r>
-            <a:r>
-              <a:rPr lang="en-IN" b="0" dirty="0">
-                <a:effectLst/>
-                <a:latin typeface="Consolas" panose="020B0609020204030204" pitchFamily="49" charset="0"/>
-              </a:rPr>
-              <a:t> regards,\</a:t>
-            </a:r>
-            <a:r>
-              <a:rPr lang="en-IN" b="0" dirty="0" err="1">
-                <a:effectLst/>
-                <a:latin typeface="Consolas" panose="020B0609020204030204" pitchFamily="49" charset="0"/>
-              </a:rPr>
-              <a:t>nJohn</a:t>
-            </a:r>
-            <a:r>
-              <a:rPr lang="en-IN" b="0" dirty="0">
-                <a:effectLst/>
-                <a:latin typeface="Consolas" panose="020B0609020204030204" pitchFamily="49" charset="0"/>
-              </a:rPr>
-              <a:t> Doe",</a:t>
-            </a:r>
-          </a:p>
-          <a:p>
-            <a:pPr>
-              <a:lnSpc>
-                <a:spcPts val="1425"/>
-              </a:lnSpc>
-              <a:buNone/>
-            </a:pPr>
-            <a:r>
-              <a:rPr lang="en-IN" b="0" dirty="0">
-                <a:effectLst/>
-                <a:latin typeface="Consolas" panose="020B0609020204030204" pitchFamily="49" charset="0"/>
-              </a:rPr>
-              <a:t>    "</a:t>
-            </a:r>
-            <a:r>
-              <a:rPr lang="en-IN" b="0" dirty="0" err="1">
-                <a:effectLst/>
-                <a:latin typeface="Consolas" panose="020B0609020204030204" pitchFamily="49" charset="0"/>
-              </a:rPr>
-              <a:t>similarity_score</a:t>
-            </a:r>
-            <a:r>
-              <a:rPr lang="en-IN" b="0" dirty="0">
-                <a:effectLst/>
-                <a:latin typeface="Consolas" panose="020B0609020204030204" pitchFamily="49" charset="0"/>
-              </a:rPr>
-              <a:t>": 1.0,</a:t>
-            </a:r>
-          </a:p>
-          <a:p>
-            <a:pPr>
-              <a:lnSpc>
-                <a:spcPts val="1425"/>
-              </a:lnSpc>
-              <a:buNone/>
-            </a:pPr>
-            <a:r>
-              <a:rPr lang="en-IN" b="0" dirty="0">
-                <a:effectLst/>
-                <a:latin typeface="Consolas" panose="020B0609020204030204" pitchFamily="49" charset="0"/>
-              </a:rPr>
-              <a:t>    "</a:t>
-            </a:r>
-            <a:r>
-              <a:rPr lang="en-IN" b="0" dirty="0" err="1">
-                <a:effectLst/>
-                <a:latin typeface="Consolas" panose="020B0609020204030204" pitchFamily="49" charset="0"/>
-              </a:rPr>
-              <a:t>change_analysis</a:t>
-            </a:r>
-            <a:r>
-              <a:rPr lang="en-IN" b="0" dirty="0">
-                <a:effectLst/>
-                <a:latin typeface="Consolas" panose="020B0609020204030204" pitchFamily="49" charset="0"/>
-              </a:rPr>
-              <a:t>": {</a:t>
-            </a:r>
-          </a:p>
-          <a:p>
-            <a:pPr>
-              <a:lnSpc>
-                <a:spcPts val="1425"/>
-              </a:lnSpc>
-              <a:buNone/>
-            </a:pPr>
-            <a:r>
-              <a:rPr lang="en-IN" b="0" dirty="0">
-                <a:effectLst/>
-                <a:latin typeface="Consolas" panose="020B0609020204030204" pitchFamily="49" charset="0"/>
-              </a:rPr>
-              <a:t>      "</a:t>
-            </a:r>
-            <a:r>
-              <a:rPr lang="en-IN" b="0" dirty="0" err="1">
-                <a:effectLst/>
-                <a:latin typeface="Consolas" panose="020B0609020204030204" pitchFamily="49" charset="0"/>
-              </a:rPr>
-              <a:t>important_changes</a:t>
-            </a:r>
-            <a:r>
-              <a:rPr lang="en-IN" b="0" dirty="0">
-                <a:effectLst/>
-                <a:latin typeface="Consolas" panose="020B0609020204030204" pitchFamily="49" charset="0"/>
-              </a:rPr>
-              <a:t>": false,</a:t>
-            </a:r>
-          </a:p>
-          <a:p>
-            <a:pPr>
-              <a:lnSpc>
-                <a:spcPts val="1425"/>
-              </a:lnSpc>
-              <a:buNone/>
-            </a:pPr>
-            <a:r>
-              <a:rPr lang="en-IN" b="0" dirty="0">
-                <a:effectLst/>
-                <a:latin typeface="Consolas" panose="020B0609020204030204" pitchFamily="49" charset="0"/>
-              </a:rPr>
-              <a:t>      "</a:t>
-            </a:r>
-            <a:r>
-              <a:rPr lang="en-IN" b="0" dirty="0" err="1">
-                <a:effectLst/>
-                <a:latin typeface="Consolas" panose="020B0609020204030204" pitchFamily="49" charset="0"/>
-              </a:rPr>
-              <a:t>changes_summary</a:t>
-            </a:r>
-            <a:r>
-              <a:rPr lang="en-IN" b="0" dirty="0">
-                <a:effectLst/>
-                <a:latin typeface="Consolas" panose="020B0609020204030204" pitchFamily="49" charset="0"/>
-              </a:rPr>
-              <a:t>": "No significant changes detected",</a:t>
-            </a:r>
-          </a:p>
-          <a:p>
-            <a:pPr>
-              <a:lnSpc>
-                <a:spcPts val="1425"/>
-              </a:lnSpc>
-              <a:buNone/>
-            </a:pPr>
-            <a:r>
-              <a:rPr lang="en-IN" b="0" dirty="0">
-                <a:effectLst/>
-                <a:latin typeface="Consolas" panose="020B0609020204030204" pitchFamily="49" charset="0"/>
-              </a:rPr>
-              <a:t>      "intent": "Other"</a:t>
-            </a:r>
-          </a:p>
-          <a:p>
-            <a:pPr>
-              <a:lnSpc>
-                <a:spcPts val="1425"/>
-              </a:lnSpc>
-            </a:pPr>
-            <a:r>
-              <a:rPr lang="en-IN" b="0" dirty="0">
-                <a:effectLst/>
-                <a:latin typeface="Consolas" panose="020B0609020204030204" pitchFamily="49" charset="0"/>
-              </a:rPr>
-              <a:t>    }</a:t>
-            </a:r>
-          </a:p>
-          <a:p>
-            <a:endParaRPr lang="en-IN" dirty="0"/>
-          </a:p>
-        </p:txBody>
-      </p:sp>
-    </p:spTree>
-    <p:extLst>
-      <p:ext uri="{BB962C8B-B14F-4D97-AF65-F5344CB8AC3E}">
-        <p14:creationId xmlns:p14="http://schemas.microsoft.com/office/powerpoint/2010/main" val="109175769"/>
-      </p:ext>
-    </p:extLst>
-  </p:cSld>
-  <p:clrMapOvr>
-    <a:masterClrMapping/>
-  </p:clrMapOvr>
-</p:sld>
-</file>
-
-<file path=ppt/slides/slide11.xml><?xml version="1.0" encoding="utf-8"?>
-<p:sld xmlns:a="http://schemas.openxmlformats.org/drawingml/2006/main" xmlns:r="http://schemas.openxmlformats.org/officeDocument/2006/relationships" xmlns:p="http://schemas.openxmlformats.org/presentationml/2006/main">
-  <p:cSld>
-    <p:spTree>
-      <p:nvGrpSpPr>
-        <p:cNvPr id="1" name=""/>
-        <p:cNvGrpSpPr/>
-        <p:nvPr/>
-      </p:nvGrpSpPr>
-      <p:grpSpPr>
-        <a:xfrm>
-          <a:off x="0" y="0"/>
-          <a:ext cx="0" cy="0"/>
-          <a:chOff x="0" y="0"/>
-          <a:chExt cx="0" cy="0"/>
-        </a:xfrm>
-      </p:grpSpPr>
-      <p:sp>
-        <p:nvSpPr>
-          <p:cNvPr id="2" name="Title 1">
-            <a:extLst>
-              <a:ext uri="{FF2B5EF4-FFF2-40B4-BE49-F238E27FC236}">
-                <a16:creationId xmlns:a16="http://schemas.microsoft.com/office/drawing/2014/main" id="{759F4C05-244F-5966-1E95-2A52B88DE2FA}"/>
-              </a:ext>
-            </a:extLst>
-          </p:cNvPr>
-          <p:cNvSpPr>
-            <a:spLocks noGrp="1"/>
-          </p:cNvSpPr>
-          <p:nvPr>
-            <p:ph type="title"/>
-          </p:nvPr>
-        </p:nvSpPr>
-        <p:spPr/>
-        <p:txBody>
-          <a:bodyPr/>
-          <a:lstStyle/>
-          <a:p>
-            <a:r>
-              <a:rPr lang="en-IN" dirty="0"/>
-              <a:t>Sample responses</a:t>
-            </a:r>
-          </a:p>
-        </p:txBody>
-      </p:sp>
-      <p:sp>
-        <p:nvSpPr>
-          <p:cNvPr id="3" name="Content Placeholder 2">
-            <a:extLst>
-              <a:ext uri="{FF2B5EF4-FFF2-40B4-BE49-F238E27FC236}">
-                <a16:creationId xmlns:a16="http://schemas.microsoft.com/office/drawing/2014/main" id="{D6E27F6F-A5AB-69DD-6C18-B995F67B50D1}"/>
-              </a:ext>
-            </a:extLst>
-          </p:cNvPr>
-          <p:cNvSpPr>
-            <a:spLocks noGrp="1"/>
-          </p:cNvSpPr>
-          <p:nvPr>
-            <p:ph idx="1"/>
-          </p:nvPr>
-        </p:nvSpPr>
-        <p:spPr>
-          <a:xfrm>
-            <a:off x="1262743" y="2015733"/>
-            <a:ext cx="7881257" cy="3450613"/>
-          </a:xfrm>
-        </p:spPr>
-        <p:txBody>
-          <a:bodyPr>
-            <a:noAutofit/>
-          </a:bodyPr>
-          <a:lstStyle/>
-          <a:p>
-            <a:pPr>
-              <a:lnSpc>
-                <a:spcPts val="1425"/>
-              </a:lnSpc>
-              <a:buNone/>
-            </a:pPr>
-            <a:r>
-              <a:rPr lang="en-US" sz="800" b="0" dirty="0">
-                <a:effectLst/>
-                <a:latin typeface="Consolas" panose="020B0609020204030204" pitchFamily="49" charset="0"/>
-              </a:rPr>
-              <a:t>"classification": {</a:t>
-            </a:r>
-          </a:p>
-          <a:p>
-            <a:pPr>
-              <a:lnSpc>
-                <a:spcPts val="1425"/>
-              </a:lnSpc>
-              <a:buNone/>
-            </a:pPr>
-            <a:r>
-              <a:rPr lang="en-US" sz="800" b="0" dirty="0">
-                <a:effectLst/>
-                <a:latin typeface="Consolas" panose="020B0609020204030204" pitchFamily="49" charset="0"/>
-              </a:rPr>
-              <a:t>      "label": "Money Movement Inbound",</a:t>
-            </a:r>
-          </a:p>
-          <a:p>
-            <a:pPr>
-              <a:lnSpc>
-                <a:spcPts val="1425"/>
-              </a:lnSpc>
-              <a:buNone/>
-            </a:pPr>
-            <a:r>
-              <a:rPr lang="en-US" sz="800" b="0" dirty="0">
-                <a:effectLst/>
-                <a:latin typeface="Consolas" panose="020B0609020204030204" pitchFamily="49" charset="0"/>
-              </a:rPr>
-              <a:t>      "subtype": "Principal + Interest",</a:t>
-            </a:r>
-          </a:p>
-          <a:p>
-            <a:pPr>
-              <a:lnSpc>
-                <a:spcPts val="1425"/>
-              </a:lnSpc>
-              <a:buNone/>
-            </a:pPr>
-            <a:r>
-              <a:rPr lang="en-US" sz="800" b="0" dirty="0">
-                <a:effectLst/>
-                <a:latin typeface="Consolas" panose="020B0609020204030204" pitchFamily="49" charset="0"/>
-              </a:rPr>
-              <a:t>      "score": 0.95,</a:t>
-            </a:r>
-          </a:p>
-          <a:p>
-            <a:pPr>
-              <a:lnSpc>
-                <a:spcPts val="1425"/>
-              </a:lnSpc>
-              <a:buNone/>
-            </a:pPr>
-            <a:r>
-              <a:rPr lang="en-US" sz="800" b="0" dirty="0">
-                <a:effectLst/>
-                <a:latin typeface="Consolas" panose="020B0609020204030204" pitchFamily="49" charset="0"/>
-              </a:rPr>
-              <a:t>      "reasoning": "The email explicitly states a 'Request for Money Movement Inbound' in the subject and details a transaction involving a transfer of funds ($10,000) into the specified account (CANTO R FITZGERA) on 24FEB21",</a:t>
-            </a:r>
-          </a:p>
-          <a:p>
-            <a:pPr>
-              <a:lnSpc>
-                <a:spcPts val="1425"/>
-              </a:lnSpc>
-              <a:buNone/>
-            </a:pPr>
-            <a:r>
-              <a:rPr lang="en-US" sz="800" b="0" dirty="0">
-                <a:effectLst/>
-                <a:latin typeface="Consolas" panose="020B0609020204030204" pitchFamily="49" charset="0"/>
-              </a:rPr>
-              <a:t>      "</a:t>
-            </a:r>
-            <a:r>
-              <a:rPr lang="en-US" sz="800" b="0" dirty="0" err="1">
-                <a:effectLst/>
-                <a:latin typeface="Consolas" panose="020B0609020204030204" pitchFamily="49" charset="0"/>
-              </a:rPr>
-              <a:t>llm_entities</a:t>
-            </a:r>
-            <a:r>
-              <a:rPr lang="en-US" sz="800" b="0" dirty="0">
-                <a:effectLst/>
-                <a:latin typeface="Consolas" panose="020B0609020204030204" pitchFamily="49" charset="0"/>
-              </a:rPr>
-              <a:t>": {</a:t>
-            </a:r>
-          </a:p>
-          <a:p>
-            <a:pPr>
-              <a:lnSpc>
-                <a:spcPts val="1425"/>
-              </a:lnSpc>
-              <a:buNone/>
-            </a:pPr>
-            <a:r>
-              <a:rPr lang="en-US" sz="800" b="0" dirty="0">
-                <a:effectLst/>
-                <a:latin typeface="Consolas" panose="020B0609020204030204" pitchFamily="49" charset="0"/>
-              </a:rPr>
-              <a:t>        "amount": "$10,000",</a:t>
-            </a:r>
-          </a:p>
-          <a:p>
-            <a:pPr>
-              <a:lnSpc>
-                <a:spcPts val="1425"/>
-              </a:lnSpc>
-              <a:buNone/>
-            </a:pPr>
-            <a:r>
-              <a:rPr lang="en-US" sz="800" b="0" dirty="0">
-                <a:effectLst/>
-                <a:latin typeface="Consolas" panose="020B0609020204030204" pitchFamily="49" charset="0"/>
-              </a:rPr>
-              <a:t>        "date": "24FEB21",</a:t>
-            </a:r>
-          </a:p>
-          <a:p>
-            <a:pPr>
-              <a:lnSpc>
-                <a:spcPts val="1425"/>
-              </a:lnSpc>
-              <a:buNone/>
-            </a:pPr>
-            <a:r>
-              <a:rPr lang="en-US" sz="800" b="0" dirty="0">
-                <a:effectLst/>
-                <a:latin typeface="Consolas" panose="020B0609020204030204" pitchFamily="49" charset="0"/>
-              </a:rPr>
-              <a:t>        "account": "CANTO R FITZGERA",</a:t>
-            </a:r>
-          </a:p>
-          <a:p>
-            <a:pPr>
-              <a:lnSpc>
-                <a:spcPts val="1425"/>
-              </a:lnSpc>
-              <a:buNone/>
-            </a:pPr>
-            <a:r>
-              <a:rPr lang="en-US" sz="800" b="0" dirty="0">
-                <a:effectLst/>
-                <a:latin typeface="Consolas" panose="020B0609020204030204" pitchFamily="49" charset="0"/>
-              </a:rPr>
-              <a:t>        "</a:t>
-            </a:r>
-            <a:r>
-              <a:rPr lang="en-US" sz="800" b="0" dirty="0" err="1">
-                <a:effectLst/>
-                <a:latin typeface="Consolas" panose="020B0609020204030204" pitchFamily="49" charset="0"/>
-              </a:rPr>
-              <a:t>loan_id</a:t>
-            </a:r>
-            <a:r>
-              <a:rPr lang="en-US" sz="800" b="0" dirty="0">
-                <a:effectLst/>
-                <a:latin typeface="Consolas" panose="020B0609020204030204" pitchFamily="49" charset="0"/>
-              </a:rPr>
-              <a:t>": null,</a:t>
-            </a:r>
-          </a:p>
-          <a:p>
-            <a:pPr>
-              <a:lnSpc>
-                <a:spcPts val="1425"/>
-              </a:lnSpc>
-              <a:buNone/>
-            </a:pPr>
-            <a:r>
-              <a:rPr lang="en-US" sz="800" b="0" dirty="0">
-                <a:effectLst/>
-                <a:latin typeface="Consolas" panose="020B0609020204030204" pitchFamily="49" charset="0"/>
-              </a:rPr>
-              <a:t>        "</a:t>
-            </a:r>
-            <a:r>
-              <a:rPr lang="en-US" sz="800" b="0" dirty="0" err="1">
-                <a:effectLst/>
-                <a:latin typeface="Consolas" panose="020B0609020204030204" pitchFamily="49" charset="0"/>
-              </a:rPr>
-              <a:t>current_rate</a:t>
-            </a:r>
-            <a:r>
-              <a:rPr lang="en-US" sz="800" b="0" dirty="0">
-                <a:effectLst/>
-                <a:latin typeface="Consolas" panose="020B0609020204030204" pitchFamily="49" charset="0"/>
-              </a:rPr>
-              <a:t>": null,</a:t>
-            </a:r>
-          </a:p>
-          <a:p>
-            <a:pPr>
-              <a:lnSpc>
-                <a:spcPts val="1425"/>
-              </a:lnSpc>
-              <a:buNone/>
-            </a:pPr>
-            <a:r>
-              <a:rPr lang="en-US" sz="800" b="0" dirty="0">
-                <a:effectLst/>
-                <a:latin typeface="Consolas" panose="020B0609020204030204" pitchFamily="49" charset="0"/>
-              </a:rPr>
-              <a:t>        "</a:t>
-            </a:r>
-            <a:r>
-              <a:rPr lang="en-US" sz="800" b="0" dirty="0" err="1">
-                <a:effectLst/>
-                <a:latin typeface="Consolas" panose="020B0609020204030204" pitchFamily="49" charset="0"/>
-              </a:rPr>
-              <a:t>requested_rate</a:t>
-            </a:r>
-            <a:r>
-              <a:rPr lang="en-US" sz="800" b="0" dirty="0">
-                <a:effectLst/>
-                <a:latin typeface="Consolas" panose="020B0609020204030204" pitchFamily="49" charset="0"/>
-              </a:rPr>
-              <a:t>": null</a:t>
-            </a:r>
-          </a:p>
-          <a:p>
-            <a:pPr>
-              <a:lnSpc>
-                <a:spcPts val="1425"/>
-              </a:lnSpc>
-            </a:pPr>
-            <a:r>
-              <a:rPr lang="en-US" sz="800" b="0" dirty="0">
-                <a:effectLst/>
-                <a:latin typeface="Consolas" panose="020B0609020204030204" pitchFamily="49" charset="0"/>
-              </a:rPr>
-              <a:t>      }</a:t>
-            </a:r>
-          </a:p>
-          <a:p>
-            <a:endParaRPr lang="en-IN" sz="800" dirty="0"/>
-          </a:p>
-        </p:txBody>
-      </p:sp>
-    </p:spTree>
-    <p:extLst>
-      <p:ext uri="{BB962C8B-B14F-4D97-AF65-F5344CB8AC3E}">
-        <p14:creationId xmlns:p14="http://schemas.microsoft.com/office/powerpoint/2010/main" val="2042152809"/>
-      </p:ext>
-    </p:extLst>
-  </p:cSld>
-  <p:clrMapOvr>
-    <a:masterClrMapping/>
-  </p:clrMapOvr>
-</p:sld>
-</file>
-
-<file path=ppt/slides/slide12.xml><?xml version="1.0" encoding="utf-8"?>
-<p:sld xmlns:a="http://schemas.openxmlformats.org/drawingml/2006/main" xmlns:r="http://schemas.openxmlformats.org/officeDocument/2006/relationships" xmlns:p="http://schemas.openxmlformats.org/presentationml/2006/main">
-  <p:cSld>
-    <p:spTree>
-      <p:nvGrpSpPr>
-        <p:cNvPr id="1" name=""/>
-        <p:cNvGrpSpPr/>
-        <p:nvPr/>
-      </p:nvGrpSpPr>
-      <p:grpSpPr>
-        <a:xfrm>
-          <a:off x="0" y="0"/>
-          <a:ext cx="0" cy="0"/>
-          <a:chOff x="0" y="0"/>
-          <a:chExt cx="0" cy="0"/>
-        </a:xfrm>
-      </p:grpSpPr>
-      <p:sp>
-        <p:nvSpPr>
-          <p:cNvPr id="2" name="Title 1">
-            <a:extLst>
-              <a:ext uri="{FF2B5EF4-FFF2-40B4-BE49-F238E27FC236}">
-                <a16:creationId xmlns:a16="http://schemas.microsoft.com/office/drawing/2014/main" id="{5FBB7CC5-3986-4960-2133-2248E8034DA0}"/>
-              </a:ext>
-            </a:extLst>
-          </p:cNvPr>
-          <p:cNvSpPr>
-            <a:spLocks noGrp="1"/>
-          </p:cNvSpPr>
-          <p:nvPr>
-            <p:ph type="title"/>
-          </p:nvPr>
-        </p:nvSpPr>
-        <p:spPr/>
-        <p:txBody>
-          <a:bodyPr/>
-          <a:lstStyle/>
-          <a:p>
-            <a:r>
-              <a:rPr lang="en-IN" dirty="0"/>
-              <a:t>User Interface  to manage request and sub-request type</a:t>
-            </a:r>
-          </a:p>
-        </p:txBody>
-      </p:sp>
-      <p:pic>
-        <p:nvPicPr>
-          <p:cNvPr id="5" name="Content Placeholder 4">
-            <a:extLst>
-              <a:ext uri="{FF2B5EF4-FFF2-40B4-BE49-F238E27FC236}">
-                <a16:creationId xmlns:a16="http://schemas.microsoft.com/office/drawing/2014/main" id="{171CEEAF-FF1C-1D24-4951-9D5FEA9532D5}"/>
-              </a:ext>
-            </a:extLst>
-          </p:cNvPr>
-          <p:cNvPicPr>
-            <a:picLocks noGrp="1" noChangeAspect="1"/>
-          </p:cNvPicPr>
-          <p:nvPr>
-            <p:ph idx="1"/>
-          </p:nvPr>
-        </p:nvPicPr>
-        <p:blipFill>
-          <a:blip r:embed="rId2"/>
-          <a:stretch>
-            <a:fillRect/>
-          </a:stretch>
-        </p:blipFill>
-        <p:spPr>
-          <a:xfrm>
-            <a:off x="1662818" y="2016125"/>
-            <a:ext cx="6132689" cy="3449638"/>
-          </a:xfrm>
-        </p:spPr>
-      </p:pic>
-    </p:spTree>
-    <p:extLst>
-      <p:ext uri="{BB962C8B-B14F-4D97-AF65-F5344CB8AC3E}">
-        <p14:creationId xmlns:p14="http://schemas.microsoft.com/office/powerpoint/2010/main" val="2472842593"/>
-      </p:ext>
-    </p:extLst>
-  </p:cSld>
-  <p:clrMapOvr>
-    <a:masterClrMapping/>
-  </p:clrMapOvr>
-</p:sld>
-</file>
-
-<file path=ppt/slides/slide13.xml><?xml version="1.0" encoding="utf-8"?>
-<p:sld xmlns:a="http://schemas.openxmlformats.org/drawingml/2006/main" xmlns:r="http://schemas.openxmlformats.org/officeDocument/2006/relationships" xmlns:p="http://schemas.openxmlformats.org/presentationml/2006/main">
-  <p:cSld>
-    <p:spTree>
-      <p:nvGrpSpPr>
-        <p:cNvPr id="1" name=""/>
-        <p:cNvGrpSpPr/>
-        <p:nvPr/>
-      </p:nvGrpSpPr>
-      <p:grpSpPr>
-        <a:xfrm>
-          <a:off x="0" y="0"/>
-          <a:ext cx="0" cy="0"/>
-          <a:chOff x="0" y="0"/>
-          <a:chExt cx="0" cy="0"/>
-        </a:xfrm>
-      </p:grpSpPr>
-      <p:sp>
-        <p:nvSpPr>
           <p:cNvPr id="2" name="Title 1"/>
           <p:cNvSpPr>
             <a:spLocks noGrp="1"/>
@@ -4662,7 +3862,8 @@
           <a:lstStyle/>
           <a:p>
             <a:r>
-              <a:t>Problem Statement</a:t>
+              <a:rPr dirty="0"/>
+              <a:t>Solution Overview</a:t>
             </a:r>
           </a:p>
         </p:txBody>
@@ -4679,22 +3880,47 @@
         </p:nvSpPr>
         <p:spPr/>
         <p:txBody>
-          <a:bodyPr/>
-          <a:lstStyle/>
-          <a:p>
-            <a:r>
-              <a:t>Lending Service teams handle high email volume</a:t>
-            </a:r>
-          </a:p>
-          <a:p>
-            <a:r>
-              <a:t>Manual email classification is slow &amp; error-prone</a:t>
-            </a:r>
-          </a:p>
-          <a:p>
-            <a:r>
-              <a:t>Key tasks: Extracting context, detecting duplicates, assigning teams</a:t>
-            </a:r>
+          <a:bodyPr>
+            <a:normAutofit fontScale="92500" lnSpcReduction="20000"/>
+          </a:bodyPr>
+          <a:lstStyle/>
+          <a:p>
+            <a:r>
+              <a:rPr dirty="0"/>
+              <a:t>AI-powered pipeline for email classification</a:t>
+            </a:r>
+          </a:p>
+          <a:p>
+            <a:r>
+              <a:rPr dirty="0"/>
+              <a:t>NLP, OCR, &amp; deep learning for text extraction</a:t>
+            </a:r>
+          </a:p>
+          <a:p>
+            <a:r>
+              <a:rPr dirty="0"/>
+              <a:t>LLMs &amp; fine-tuned models for intent recognition</a:t>
+            </a:r>
+          </a:p>
+          <a:p>
+            <a:r>
+              <a:rPr dirty="0"/>
+              <a:t>Duplicate detection with sentence embeddings</a:t>
+            </a:r>
+            <a:endParaRPr lang="en-IN" dirty="0"/>
+          </a:p>
+          <a:p>
+            <a:r>
+              <a:rPr lang="en-IN" dirty="0"/>
+              <a:t>Duplicate email overview : with duplication percentage and Intent identification of the re-sent email (For easier decision making)</a:t>
+            </a:r>
+          </a:p>
+          <a:p>
+            <a:r>
+              <a:rPr lang="en-IN" dirty="0"/>
+              <a:t>Fine-tuning model based on information from LLM calls ; scheduled every night / based on frequency.</a:t>
+            </a:r>
+            <a:endParaRPr dirty="0"/>
           </a:p>
         </p:txBody>
       </p:sp>
@@ -4725,7 +3951,13 @@
       </p:grpSpPr>
       <p:sp>
         <p:nvSpPr>
-          <p:cNvPr id="2" name="Title 1"/>
+          <p:cNvPr id="2" name="Title 1">
+            <a:extLst>
+              <a:ext uri="{FF2B5EF4-FFF2-40B4-BE49-F238E27FC236}">
+                <a16:creationId xmlns:a16="http://schemas.microsoft.com/office/drawing/2014/main" id="{CC3BE389-5B52-1584-9651-2CFDF3E21A2F}"/>
+              </a:ext>
+            </a:extLst>
+          </p:cNvPr>
           <p:cNvSpPr>
             <a:spLocks noGrp="1"/>
           </p:cNvSpPr>
@@ -4739,14 +3971,21 @@
           <a:lstStyle/>
           <a:p>
             <a:r>
-              <a:t>Hackathon Requirements</a:t>
-            </a:r>
-          </a:p>
-        </p:txBody>
-      </p:sp>
-      <p:sp>
-        <p:nvSpPr>
-          <p:cNvPr id="3" name="Content Placeholder 2"/>
+              <a:rPr lang="en-IN" dirty="0"/>
+              <a:t>Key features</a:t>
+            </a:r>
+          </a:p>
+        </p:txBody>
+      </p:sp>
+      <p:sp>
+        <p:nvSpPr>
+          <p:cNvPr id="3" name="Content Placeholder 2">
+            <a:extLst>
+              <a:ext uri="{FF2B5EF4-FFF2-40B4-BE49-F238E27FC236}">
+                <a16:creationId xmlns:a16="http://schemas.microsoft.com/office/drawing/2014/main" id="{FA613A91-E4FD-4501-07FF-958E036B9303}"/>
+              </a:ext>
+            </a:extLst>
+          </p:cNvPr>
           <p:cNvSpPr>
             <a:spLocks noGrp="1"/>
           </p:cNvSpPr>
@@ -4756,31 +3995,54 @@
         </p:nvSpPr>
         <p:spPr/>
         <p:txBody>
-          <a:bodyPr/>
-          <a:lstStyle/>
-          <a:p>
-            <a:r>
-              <a:t>Use Gen AI for email classification</a:t>
-            </a:r>
-          </a:p>
-          <a:p>
-            <a:r>
-              <a:t>Extract request type, sub-type &amp; key attributes</a:t>
-            </a:r>
-          </a:p>
-          <a:p>
-            <a:r>
-              <a:t>Handle multi-request emails &amp; priority detection</a:t>
-            </a:r>
-          </a:p>
-          <a:p>
-            <a:r>
-              <a:t>Ensure scalability, explainability, &amp; efficiency</a:t>
+          <a:bodyPr>
+            <a:normAutofit lnSpcReduction="10000"/>
+          </a:bodyPr>
+          <a:lstStyle/>
+          <a:p>
+            <a:r>
+              <a:rPr lang="en-IN" dirty="0"/>
+              <a:t>User Interface to add and maintain new request and sub-request types</a:t>
+            </a:r>
+          </a:p>
+          <a:p>
+            <a:r>
+              <a:rPr lang="en-IN" dirty="0"/>
+              <a:t>Auto training model to save cost on external calls</a:t>
+            </a:r>
+          </a:p>
+          <a:p>
+            <a:r>
+              <a:rPr lang="en-IN" dirty="0"/>
+              <a:t>Local classification model in absence of external LLM</a:t>
+            </a:r>
+          </a:p>
+          <a:p>
+            <a:r>
+              <a:rPr lang="en-IN" dirty="0"/>
+              <a:t>In depth email classification including attachment</a:t>
+            </a:r>
+          </a:p>
+          <a:p>
+            <a:r>
+              <a:rPr lang="en-IN" dirty="0"/>
+              <a:t>Provide hints for routing the email to destination team</a:t>
+            </a:r>
+          </a:p>
+          <a:p>
+            <a:r>
+              <a:rPr lang="en-IN" dirty="0"/>
+              <a:t>Duplicate recognition and hints on duplicate email (With intent of re-send email)</a:t>
             </a:r>
           </a:p>
         </p:txBody>
       </p:sp>
     </p:spTree>
+    <p:extLst>
+      <p:ext uri="{BB962C8B-B14F-4D97-AF65-F5344CB8AC3E}">
+        <p14:creationId xmlns:p14="http://schemas.microsoft.com/office/powerpoint/2010/main" val="2615360436"/>
+      </p:ext>
+    </p:extLst>
   </p:cSld>
   <p:clrMapOvr>
     <a:masterClrMapping/>
@@ -4821,8 +4083,7 @@
           <a:lstStyle/>
           <a:p>
             <a:r>
-              <a:rPr dirty="0"/>
-              <a:t>Solution Overview</a:t>
+              <a:t>System Design &amp; Architecture</a:t>
             </a:r>
           </a:p>
         </p:txBody>
@@ -4839,47 +4100,27 @@
         </p:nvSpPr>
         <p:spPr/>
         <p:txBody>
-          <a:bodyPr>
-            <a:normAutofit fontScale="92500" lnSpcReduction="20000"/>
-          </a:bodyPr>
-          <a:lstStyle/>
-          <a:p>
-            <a:r>
-              <a:rPr dirty="0"/>
-              <a:t>AI-powered pipeline for email classification</a:t>
-            </a:r>
-          </a:p>
-          <a:p>
-            <a:r>
-              <a:rPr dirty="0"/>
-              <a:t>NLP, OCR, &amp; deep learning for text extraction</a:t>
-            </a:r>
-          </a:p>
-          <a:p>
-            <a:r>
-              <a:rPr dirty="0"/>
-              <a:t>LLMs &amp; fine-tuned models for intent recognition</a:t>
-            </a:r>
-          </a:p>
-          <a:p>
-            <a:r>
-              <a:rPr dirty="0"/>
-              <a:t>Duplicate detection with sentence embeddings</a:t>
-            </a:r>
-            <a:endParaRPr lang="en-IN" dirty="0"/>
-          </a:p>
-          <a:p>
-            <a:r>
-              <a:rPr lang="en-IN" dirty="0"/>
-              <a:t>Duplicate email overview : with duplication percentage and Intent identification of the re-sent email (For easier decision making)</a:t>
-            </a:r>
-          </a:p>
-          <a:p>
-            <a:r>
-              <a:rPr lang="en-IN" dirty="0"/>
-              <a:t>Fine-tuning model based on information from LLM calls ; scheduled every night / based on frequency.</a:t>
-            </a:r>
-            <a:endParaRPr dirty="0"/>
+          <a:bodyPr/>
+          <a:lstStyle/>
+          <a:p>
+            <a:r>
+              <a:t>Ingestion layer: PDFs, DOCs, EMLs processed</a:t>
+            </a:r>
+          </a:p>
+          <a:p>
+            <a:r>
+              <a:t>NLP Pipeline: Preprocessing, Named Entity Recognition (NER), LLM Classification</a:t>
+            </a:r>
+          </a:p>
+          <a:p>
+            <a:r>
+              <a:t>Duplicate detection using SentenceTransformer</a:t>
+            </a:r>
+          </a:p>
+          <a:p>
+            <a:r>
+              <a:t>Output: Classified requests assigned to teams</a:t>
+            </a:r>
           </a:p>
         </p:txBody>
       </p:sp>
@@ -4910,13 +4151,7 @@
       </p:grpSpPr>
       <p:sp>
         <p:nvSpPr>
-          <p:cNvPr id="2" name="Title 1">
-            <a:extLst>
-              <a:ext uri="{FF2B5EF4-FFF2-40B4-BE49-F238E27FC236}">
-                <a16:creationId xmlns:a16="http://schemas.microsoft.com/office/drawing/2014/main" id="{CC3BE389-5B52-1584-9651-2CFDF3E21A2F}"/>
-              </a:ext>
-            </a:extLst>
-          </p:cNvPr>
+          <p:cNvPr id="2" name="Title 1"/>
           <p:cNvSpPr>
             <a:spLocks noGrp="1"/>
           </p:cNvSpPr>
@@ -4930,21 +4165,14 @@
           <a:lstStyle/>
           <a:p>
             <a:r>
-              <a:rPr lang="en-IN" dirty="0"/>
-              <a:t>Key features</a:t>
-            </a:r>
-          </a:p>
-        </p:txBody>
-      </p:sp>
-      <p:sp>
-        <p:nvSpPr>
-          <p:cNvPr id="3" name="Content Placeholder 2">
-            <a:extLst>
-              <a:ext uri="{FF2B5EF4-FFF2-40B4-BE49-F238E27FC236}">
-                <a16:creationId xmlns:a16="http://schemas.microsoft.com/office/drawing/2014/main" id="{FA613A91-E4FD-4501-07FF-958E036B9303}"/>
-              </a:ext>
-            </a:extLst>
-          </p:cNvPr>
+              <a:t>Tools &amp; Technologies Used</a:t>
+            </a:r>
+          </a:p>
+        </p:txBody>
+      </p:sp>
+      <p:sp>
+        <p:nvSpPr>
+          <p:cNvPr id="3" name="Content Placeholder 2"/>
           <p:cNvSpPr>
             <a:spLocks noGrp="1"/>
           </p:cNvSpPr>
@@ -4954,54 +4182,36 @@
         </p:nvSpPr>
         <p:spPr/>
         <p:txBody>
-          <a:bodyPr>
-            <a:normAutofit lnSpcReduction="10000"/>
-          </a:bodyPr>
-          <a:lstStyle/>
-          <a:p>
-            <a:r>
-              <a:rPr lang="en-IN" dirty="0"/>
-              <a:t>User Interface to add and maintain new request and sub-request types</a:t>
-            </a:r>
-          </a:p>
-          <a:p>
-            <a:r>
-              <a:rPr lang="en-IN" dirty="0"/>
-              <a:t>Auto training model to save cost on external calls</a:t>
-            </a:r>
-          </a:p>
-          <a:p>
-            <a:r>
-              <a:rPr lang="en-IN" dirty="0"/>
-              <a:t>Local classification model in absence of external LLM</a:t>
-            </a:r>
-          </a:p>
-          <a:p>
-            <a:r>
-              <a:rPr lang="en-IN" dirty="0"/>
-              <a:t>In depth email classification including attachment</a:t>
-            </a:r>
-          </a:p>
-          <a:p>
-            <a:r>
-              <a:rPr lang="en-IN" dirty="0"/>
-              <a:t>Provide hints for routing the email to destination team</a:t>
-            </a:r>
-          </a:p>
-          <a:p>
-            <a:r>
-              <a:rPr lang="en-IN" dirty="0"/>
-              <a:t>Duplicate recognition and hints on duplicate email (With intent of re-send email)</a:t>
+          <a:bodyPr/>
+          <a:lstStyle/>
+          <a:p>
+            <a:r>
+              <a:t>Python, Spacy, Transformers (Hugging Face)</a:t>
+            </a:r>
+          </a:p>
+          <a:p>
+            <a:r>
+              <a:t>SentenceTransformers for embeddings</a:t>
+            </a:r>
+          </a:p>
+          <a:p>
+            <a:r>
+              <a:t>DeepSeek API for classification</a:t>
+            </a:r>
+          </a:p>
+          <a:p>
+            <a:r>
+              <a:t>pdfplumber, pytesseract for OCR</a:t>
+            </a:r>
+          </a:p>
+          <a:p>
+            <a:r>
+              <a:t>Logging, dotenv, requests for integrations</a:t>
             </a:r>
           </a:p>
         </p:txBody>
       </p:sp>
     </p:spTree>
-    <p:extLst>
-      <p:ext uri="{BB962C8B-B14F-4D97-AF65-F5344CB8AC3E}">
-        <p14:creationId xmlns:p14="http://schemas.microsoft.com/office/powerpoint/2010/main" val="2615360436"/>
-      </p:ext>
-    </p:extLst>
   </p:cSld>
   <p:clrMapOvr>
     <a:masterClrMapping/>
@@ -5010,257 +4220,6 @@
 </file>
 
 <file path=ppt/slides/slide6.xml><?xml version="1.0" encoding="utf-8"?>
-<p:sld xmlns:a="http://schemas.openxmlformats.org/drawingml/2006/main" xmlns:r="http://schemas.openxmlformats.org/officeDocument/2006/relationships" xmlns:p="http://schemas.openxmlformats.org/presentationml/2006/main">
-  <p:cSld>
-    <p:spTree>
-      <p:nvGrpSpPr>
-        <p:cNvPr id="1" name=""/>
-        <p:cNvGrpSpPr/>
-        <p:nvPr/>
-      </p:nvGrpSpPr>
-      <p:grpSpPr>
-        <a:xfrm>
-          <a:off x="0" y="0"/>
-          <a:ext cx="0" cy="0"/>
-          <a:chOff x="0" y="0"/>
-          <a:chExt cx="0" cy="0"/>
-        </a:xfrm>
-      </p:grpSpPr>
-      <p:sp>
-        <p:nvSpPr>
-          <p:cNvPr id="2" name="Title 1"/>
-          <p:cNvSpPr>
-            <a:spLocks noGrp="1"/>
-          </p:cNvSpPr>
-          <p:nvPr>
-            <p:ph type="title"/>
-          </p:nvPr>
-        </p:nvSpPr>
-        <p:spPr/>
-        <p:txBody>
-          <a:bodyPr/>
-          <a:lstStyle/>
-          <a:p>
-            <a:r>
-              <a:t>System Design &amp; Architecture</a:t>
-            </a:r>
-          </a:p>
-        </p:txBody>
-      </p:sp>
-      <p:sp>
-        <p:nvSpPr>
-          <p:cNvPr id="3" name="Content Placeholder 2"/>
-          <p:cNvSpPr>
-            <a:spLocks noGrp="1"/>
-          </p:cNvSpPr>
-          <p:nvPr>
-            <p:ph idx="1"/>
-          </p:nvPr>
-        </p:nvSpPr>
-        <p:spPr/>
-        <p:txBody>
-          <a:bodyPr/>
-          <a:lstStyle/>
-          <a:p>
-            <a:r>
-              <a:t>Ingestion layer: PDFs, DOCs, EMLs processed</a:t>
-            </a:r>
-          </a:p>
-          <a:p>
-            <a:r>
-              <a:t>NLP Pipeline: Preprocessing, Named Entity Recognition (NER), LLM Classification</a:t>
-            </a:r>
-          </a:p>
-          <a:p>
-            <a:r>
-              <a:t>Duplicate detection using SentenceTransformer</a:t>
-            </a:r>
-          </a:p>
-          <a:p>
-            <a:r>
-              <a:t>Output: Classified requests assigned to teams</a:t>
-            </a:r>
-          </a:p>
-        </p:txBody>
-      </p:sp>
-    </p:spTree>
-  </p:cSld>
-  <p:clrMapOvr>
-    <a:masterClrMapping/>
-  </p:clrMapOvr>
-</p:sld>
-</file>
-
-<file path=ppt/slides/slide7.xml><?xml version="1.0" encoding="utf-8"?>
-<p:sld xmlns:a="http://schemas.openxmlformats.org/drawingml/2006/main" xmlns:r="http://schemas.openxmlformats.org/officeDocument/2006/relationships" xmlns:p="http://schemas.openxmlformats.org/presentationml/2006/main">
-  <p:cSld>
-    <p:spTree>
-      <p:nvGrpSpPr>
-        <p:cNvPr id="1" name=""/>
-        <p:cNvGrpSpPr/>
-        <p:nvPr/>
-      </p:nvGrpSpPr>
-      <p:grpSpPr>
-        <a:xfrm>
-          <a:off x="0" y="0"/>
-          <a:ext cx="0" cy="0"/>
-          <a:chOff x="0" y="0"/>
-          <a:chExt cx="0" cy="0"/>
-        </a:xfrm>
-      </p:grpSpPr>
-      <p:sp>
-        <p:nvSpPr>
-          <p:cNvPr id="2" name="Title 1"/>
-          <p:cNvSpPr>
-            <a:spLocks noGrp="1"/>
-          </p:cNvSpPr>
-          <p:nvPr>
-            <p:ph type="title"/>
-          </p:nvPr>
-        </p:nvSpPr>
-        <p:spPr/>
-        <p:txBody>
-          <a:bodyPr/>
-          <a:lstStyle/>
-          <a:p>
-            <a:r>
-              <a:t>Tools &amp; Technologies Used</a:t>
-            </a:r>
-          </a:p>
-        </p:txBody>
-      </p:sp>
-      <p:sp>
-        <p:nvSpPr>
-          <p:cNvPr id="3" name="Content Placeholder 2"/>
-          <p:cNvSpPr>
-            <a:spLocks noGrp="1"/>
-          </p:cNvSpPr>
-          <p:nvPr>
-            <p:ph idx="1"/>
-          </p:nvPr>
-        </p:nvSpPr>
-        <p:spPr/>
-        <p:txBody>
-          <a:bodyPr/>
-          <a:lstStyle/>
-          <a:p>
-            <a:r>
-              <a:t>Python, Spacy, Transformers (Hugging Face)</a:t>
-            </a:r>
-          </a:p>
-          <a:p>
-            <a:r>
-              <a:t>SentenceTransformers for embeddings</a:t>
-            </a:r>
-          </a:p>
-          <a:p>
-            <a:r>
-              <a:t>DeepSeek API for classification</a:t>
-            </a:r>
-          </a:p>
-          <a:p>
-            <a:r>
-              <a:t>pdfplumber, pytesseract for OCR</a:t>
-            </a:r>
-          </a:p>
-          <a:p>
-            <a:r>
-              <a:t>Logging, dotenv, requests for integrations</a:t>
-            </a:r>
-          </a:p>
-        </p:txBody>
-      </p:sp>
-    </p:spTree>
-  </p:cSld>
-  <p:clrMapOvr>
-    <a:masterClrMapping/>
-  </p:clrMapOvr>
-</p:sld>
-</file>
-
-<file path=ppt/slides/slide8.xml><?xml version="1.0" encoding="utf-8"?>
-<p:sld xmlns:a="http://schemas.openxmlformats.org/drawingml/2006/main" xmlns:r="http://schemas.openxmlformats.org/officeDocument/2006/relationships" xmlns:p="http://schemas.openxmlformats.org/presentationml/2006/main">
-  <p:cSld>
-    <p:spTree>
-      <p:nvGrpSpPr>
-        <p:cNvPr id="1" name=""/>
-        <p:cNvGrpSpPr/>
-        <p:nvPr/>
-      </p:nvGrpSpPr>
-      <p:grpSpPr>
-        <a:xfrm>
-          <a:off x="0" y="0"/>
-          <a:ext cx="0" cy="0"/>
-          <a:chOff x="0" y="0"/>
-          <a:chExt cx="0" cy="0"/>
-        </a:xfrm>
-      </p:grpSpPr>
-      <p:sp>
-        <p:nvSpPr>
-          <p:cNvPr id="2" name="Title 1"/>
-          <p:cNvSpPr>
-            <a:spLocks noGrp="1"/>
-          </p:cNvSpPr>
-          <p:nvPr>
-            <p:ph type="title"/>
-          </p:nvPr>
-        </p:nvSpPr>
-        <p:spPr/>
-        <p:txBody>
-          <a:bodyPr/>
-          <a:lstStyle/>
-          <a:p>
-            <a:r>
-              <a:t>Key Code Components</a:t>
-            </a:r>
-          </a:p>
-        </p:txBody>
-      </p:sp>
-      <p:sp>
-        <p:nvSpPr>
-          <p:cNvPr id="3" name="Content Placeholder 2"/>
-          <p:cNvSpPr>
-            <a:spLocks noGrp="1"/>
-          </p:cNvSpPr>
-          <p:nvPr>
-            <p:ph idx="1"/>
-          </p:nvPr>
-        </p:nvSpPr>
-        <p:spPr/>
-        <p:txBody>
-          <a:bodyPr/>
-          <a:lstStyle/>
-          <a:p>
-            <a:r>
-              <a:t>Text extraction from PDFs, DOCs, &amp; EMLs</a:t>
-            </a:r>
-          </a:p>
-          <a:p>
-            <a:r>
-              <a:t>Classification using DeepSeek &amp; fine-tuned models</a:t>
-            </a:r>
-          </a:p>
-          <a:p>
-            <a:r>
-              <a:t>Named entity recognition (NER) for finance terms</a:t>
-            </a:r>
-          </a:p>
-          <a:p>
-            <a:r>
-              <a:t>Priority &amp; duplicate detection logic</a:t>
-            </a:r>
-          </a:p>
-        </p:txBody>
-      </p:sp>
-    </p:spTree>
-  </p:cSld>
-  <p:clrMapOvr>
-    <a:masterClrMapping/>
-  </p:clrMapOvr>
-</p:sld>
-</file>
-
-<file path=ppt/slides/slide9.xml><?xml version="1.0" encoding="utf-8"?>
 <p:sld xmlns:a="http://schemas.openxmlformats.org/drawingml/2006/main" xmlns:r="http://schemas.openxmlformats.org/officeDocument/2006/relationships" xmlns:p="http://schemas.openxmlformats.org/presentationml/2006/main">
   <p:cSld>
     <p:spTree>
@@ -5418,6 +4377,803 @@
         </a:graphic>
       </p:graphicFrame>
     </p:spTree>
+  </p:cSld>
+  <p:clrMapOvr>
+    <a:masterClrMapping/>
+  </p:clrMapOvr>
+</p:sld>
+</file>
+
+<file path=ppt/slides/slide7.xml><?xml version="1.0" encoding="utf-8"?>
+<p:sld xmlns:a="http://schemas.openxmlformats.org/drawingml/2006/main" xmlns:r="http://schemas.openxmlformats.org/officeDocument/2006/relationships" xmlns:p="http://schemas.openxmlformats.org/presentationml/2006/main">
+  <p:cSld>
+    <p:spTree>
+      <p:nvGrpSpPr>
+        <p:cNvPr id="1" name=""/>
+        <p:cNvGrpSpPr/>
+        <p:nvPr/>
+      </p:nvGrpSpPr>
+      <p:grpSpPr>
+        <a:xfrm>
+          <a:off x="0" y="0"/>
+          <a:ext cx="0" cy="0"/>
+          <a:chOff x="0" y="0"/>
+          <a:chExt cx="0" cy="0"/>
+        </a:xfrm>
+      </p:grpSpPr>
+      <p:sp>
+        <p:nvSpPr>
+          <p:cNvPr id="2" name="Title 1">
+            <a:extLst>
+              <a:ext uri="{FF2B5EF4-FFF2-40B4-BE49-F238E27FC236}">
+                <a16:creationId xmlns:a16="http://schemas.microsoft.com/office/drawing/2014/main" id="{984DD9FD-5272-DBF7-014A-9EABA31A0428}"/>
+              </a:ext>
+            </a:extLst>
+          </p:cNvPr>
+          <p:cNvSpPr>
+            <a:spLocks noGrp="1"/>
+          </p:cNvSpPr>
+          <p:nvPr>
+            <p:ph type="title"/>
+          </p:nvPr>
+        </p:nvSpPr>
+        <p:spPr/>
+        <p:txBody>
+          <a:bodyPr/>
+          <a:lstStyle/>
+          <a:p>
+            <a:r>
+              <a:rPr lang="en-IN" dirty="0"/>
+              <a:t>Sample responses</a:t>
+            </a:r>
+          </a:p>
+        </p:txBody>
+      </p:sp>
+      <p:sp>
+        <p:nvSpPr>
+          <p:cNvPr id="3" name="Content Placeholder 2">
+            <a:extLst>
+              <a:ext uri="{FF2B5EF4-FFF2-40B4-BE49-F238E27FC236}">
+                <a16:creationId xmlns:a16="http://schemas.microsoft.com/office/drawing/2014/main" id="{86F289EA-1355-A0D6-6AA9-1B8ECB670FD7}"/>
+              </a:ext>
+            </a:extLst>
+          </p:cNvPr>
+          <p:cNvSpPr>
+            <a:spLocks noGrp="1"/>
+          </p:cNvSpPr>
+          <p:nvPr>
+            <p:ph idx="1"/>
+          </p:nvPr>
+        </p:nvSpPr>
+        <p:spPr/>
+        <p:txBody>
+          <a:bodyPr>
+            <a:normAutofit fontScale="40000" lnSpcReduction="20000"/>
+          </a:bodyPr>
+          <a:lstStyle/>
+          <a:p>
+            <a:pPr marL="0" indent="0">
+              <a:buNone/>
+            </a:pPr>
+            <a:r>
+              <a:rPr lang="en-IN" dirty="0"/>
+              <a:t>Duplicate file:</a:t>
+            </a:r>
+          </a:p>
+          <a:p>
+            <a:endParaRPr lang="en-IN" dirty="0"/>
+          </a:p>
+          <a:p>
+            <a:pPr>
+              <a:lnSpc>
+                <a:spcPts val="1425"/>
+              </a:lnSpc>
+              <a:buNone/>
+            </a:pPr>
+            <a:r>
+              <a:rPr lang="en-IN" b="0" dirty="0">
+                <a:effectLst/>
+                <a:latin typeface="Consolas" panose="020B0609020204030204" pitchFamily="49" charset="0"/>
+              </a:rPr>
+              <a:t>"duplicate": true,</a:t>
+            </a:r>
+          </a:p>
+          <a:p>
+            <a:pPr>
+              <a:lnSpc>
+                <a:spcPts val="1425"/>
+              </a:lnSpc>
+              <a:buNone/>
+            </a:pPr>
+            <a:r>
+              <a:rPr lang="en-IN" b="0" dirty="0">
+                <a:effectLst/>
+                <a:latin typeface="Consolas" panose="020B0609020204030204" pitchFamily="49" charset="0"/>
+              </a:rPr>
+              <a:t>    "</a:t>
+            </a:r>
+            <a:r>
+              <a:rPr lang="en-IN" b="0" dirty="0" err="1">
+                <a:effectLst/>
+                <a:latin typeface="Consolas" panose="020B0609020204030204" pitchFamily="49" charset="0"/>
+              </a:rPr>
+              <a:t>duplicate_of</a:t>
+            </a:r>
+            <a:r>
+              <a:rPr lang="en-IN" b="0" dirty="0">
+                <a:effectLst/>
+                <a:latin typeface="Consolas" panose="020B0609020204030204" pitchFamily="49" charset="0"/>
+              </a:rPr>
+              <a:t>": "Shravan\n\n[Attachment: 2023.11.10_CANTO R FITZGERA 24FEB21.pdf]\</a:t>
+            </a:r>
+            <a:r>
+              <a:rPr lang="en-IN" b="0" dirty="0" err="1">
+                <a:effectLst/>
+                <a:latin typeface="Consolas" panose="020B0609020204030204" pitchFamily="49" charset="0"/>
+              </a:rPr>
+              <a:t>nSubject</a:t>
+            </a:r>
+            <a:r>
+              <a:rPr lang="en-IN" b="0" dirty="0">
+                <a:effectLst/>
+                <a:latin typeface="Consolas" panose="020B0609020204030204" pitchFamily="49" charset="0"/>
+              </a:rPr>
+              <a:t>: Request for Money Movement Inbound\</a:t>
+            </a:r>
+            <a:r>
+              <a:rPr lang="en-IN" b="0" dirty="0" err="1">
+                <a:effectLst/>
+                <a:latin typeface="Consolas" panose="020B0609020204030204" pitchFamily="49" charset="0"/>
+              </a:rPr>
+              <a:t>nDear</a:t>
+            </a:r>
+            <a:r>
+              <a:rPr lang="en-IN" b="0" dirty="0">
+                <a:effectLst/>
+                <a:latin typeface="Consolas" panose="020B0609020204030204" pitchFamily="49" charset="0"/>
+              </a:rPr>
+              <a:t> Team,\</a:t>
+            </a:r>
+            <a:r>
+              <a:rPr lang="en-IN" b="0" dirty="0" err="1">
+                <a:effectLst/>
+                <a:latin typeface="Consolas" panose="020B0609020204030204" pitchFamily="49" charset="0"/>
+              </a:rPr>
+              <a:t>nI</a:t>
+            </a:r>
+            <a:r>
+              <a:rPr lang="en-IN" b="0" dirty="0">
+                <a:effectLst/>
+                <a:latin typeface="Consolas" panose="020B0609020204030204" pitchFamily="49" charset="0"/>
+              </a:rPr>
+              <a:t> would like to request a money movement for the following transaction:\n- Amount: $10,000\n- Type: Principal + Interest\n- Date: 24FEB21\n- Account: CANTO R FITZGERA\</a:t>
+            </a:r>
+            <a:r>
+              <a:rPr lang="en-IN" b="0" dirty="0" err="1">
+                <a:effectLst/>
+                <a:latin typeface="Consolas" panose="020B0609020204030204" pitchFamily="49" charset="0"/>
+              </a:rPr>
+              <a:t>nPlease</a:t>
+            </a:r>
+            <a:r>
+              <a:rPr lang="en-IN" b="0" dirty="0">
+                <a:effectLst/>
+                <a:latin typeface="Consolas" panose="020B0609020204030204" pitchFamily="49" charset="0"/>
+              </a:rPr>
+              <a:t> process this request at the earliest.\</a:t>
+            </a:r>
+            <a:r>
+              <a:rPr lang="en-IN" b="0" dirty="0" err="1">
+                <a:effectLst/>
+                <a:latin typeface="Consolas" panose="020B0609020204030204" pitchFamily="49" charset="0"/>
+              </a:rPr>
+              <a:t>nBest</a:t>
+            </a:r>
+            <a:r>
+              <a:rPr lang="en-IN" b="0" dirty="0">
+                <a:effectLst/>
+                <a:latin typeface="Consolas" panose="020B0609020204030204" pitchFamily="49" charset="0"/>
+              </a:rPr>
+              <a:t> regards,\</a:t>
+            </a:r>
+            <a:r>
+              <a:rPr lang="en-IN" b="0" dirty="0" err="1">
+                <a:effectLst/>
+                <a:latin typeface="Consolas" panose="020B0609020204030204" pitchFamily="49" charset="0"/>
+              </a:rPr>
+              <a:t>nJohn</a:t>
+            </a:r>
+            <a:r>
+              <a:rPr lang="en-IN" b="0" dirty="0">
+                <a:effectLst/>
+                <a:latin typeface="Consolas" panose="020B0609020204030204" pitchFamily="49" charset="0"/>
+              </a:rPr>
+              <a:t> Doe",</a:t>
+            </a:r>
+          </a:p>
+          <a:p>
+            <a:pPr>
+              <a:lnSpc>
+                <a:spcPts val="1425"/>
+              </a:lnSpc>
+              <a:buNone/>
+            </a:pPr>
+            <a:r>
+              <a:rPr lang="en-IN" b="0" dirty="0">
+                <a:effectLst/>
+                <a:latin typeface="Consolas" panose="020B0609020204030204" pitchFamily="49" charset="0"/>
+              </a:rPr>
+              <a:t>    "</a:t>
+            </a:r>
+            <a:r>
+              <a:rPr lang="en-IN" b="0" dirty="0" err="1">
+                <a:effectLst/>
+                <a:latin typeface="Consolas" panose="020B0609020204030204" pitchFamily="49" charset="0"/>
+              </a:rPr>
+              <a:t>similarity_score</a:t>
+            </a:r>
+            <a:r>
+              <a:rPr lang="en-IN" b="0" dirty="0">
+                <a:effectLst/>
+                <a:latin typeface="Consolas" panose="020B0609020204030204" pitchFamily="49" charset="0"/>
+              </a:rPr>
+              <a:t>": 1.0,</a:t>
+            </a:r>
+          </a:p>
+          <a:p>
+            <a:pPr>
+              <a:lnSpc>
+                <a:spcPts val="1425"/>
+              </a:lnSpc>
+              <a:buNone/>
+            </a:pPr>
+            <a:r>
+              <a:rPr lang="en-IN" b="0" dirty="0">
+                <a:effectLst/>
+                <a:latin typeface="Consolas" panose="020B0609020204030204" pitchFamily="49" charset="0"/>
+              </a:rPr>
+              <a:t>    "</a:t>
+            </a:r>
+            <a:r>
+              <a:rPr lang="en-IN" b="0" dirty="0" err="1">
+                <a:effectLst/>
+                <a:latin typeface="Consolas" panose="020B0609020204030204" pitchFamily="49" charset="0"/>
+              </a:rPr>
+              <a:t>change_analysis</a:t>
+            </a:r>
+            <a:r>
+              <a:rPr lang="en-IN" b="0" dirty="0">
+                <a:effectLst/>
+                <a:latin typeface="Consolas" panose="020B0609020204030204" pitchFamily="49" charset="0"/>
+              </a:rPr>
+              <a:t>": {</a:t>
+            </a:r>
+          </a:p>
+          <a:p>
+            <a:pPr>
+              <a:lnSpc>
+                <a:spcPts val="1425"/>
+              </a:lnSpc>
+              <a:buNone/>
+            </a:pPr>
+            <a:r>
+              <a:rPr lang="en-IN" b="0" dirty="0">
+                <a:effectLst/>
+                <a:latin typeface="Consolas" panose="020B0609020204030204" pitchFamily="49" charset="0"/>
+              </a:rPr>
+              <a:t>      "</a:t>
+            </a:r>
+            <a:r>
+              <a:rPr lang="en-IN" b="0" dirty="0" err="1">
+                <a:effectLst/>
+                <a:latin typeface="Consolas" panose="020B0609020204030204" pitchFamily="49" charset="0"/>
+              </a:rPr>
+              <a:t>important_changes</a:t>
+            </a:r>
+            <a:r>
+              <a:rPr lang="en-IN" b="0" dirty="0">
+                <a:effectLst/>
+                <a:latin typeface="Consolas" panose="020B0609020204030204" pitchFamily="49" charset="0"/>
+              </a:rPr>
+              <a:t>": false,</a:t>
+            </a:r>
+          </a:p>
+          <a:p>
+            <a:pPr>
+              <a:lnSpc>
+                <a:spcPts val="1425"/>
+              </a:lnSpc>
+              <a:buNone/>
+            </a:pPr>
+            <a:r>
+              <a:rPr lang="en-IN" b="0" dirty="0">
+                <a:effectLst/>
+                <a:latin typeface="Consolas" panose="020B0609020204030204" pitchFamily="49" charset="0"/>
+              </a:rPr>
+              <a:t>      "</a:t>
+            </a:r>
+            <a:r>
+              <a:rPr lang="en-IN" b="0" dirty="0" err="1">
+                <a:effectLst/>
+                <a:latin typeface="Consolas" panose="020B0609020204030204" pitchFamily="49" charset="0"/>
+              </a:rPr>
+              <a:t>changes_summary</a:t>
+            </a:r>
+            <a:r>
+              <a:rPr lang="en-IN" b="0" dirty="0">
+                <a:effectLst/>
+                <a:latin typeface="Consolas" panose="020B0609020204030204" pitchFamily="49" charset="0"/>
+              </a:rPr>
+              <a:t>": "No significant changes detected",</a:t>
+            </a:r>
+          </a:p>
+          <a:p>
+            <a:pPr>
+              <a:lnSpc>
+                <a:spcPts val="1425"/>
+              </a:lnSpc>
+              <a:buNone/>
+            </a:pPr>
+            <a:r>
+              <a:rPr lang="en-IN" b="0" dirty="0">
+                <a:effectLst/>
+                <a:latin typeface="Consolas" panose="020B0609020204030204" pitchFamily="49" charset="0"/>
+              </a:rPr>
+              <a:t>      "intent": "Other"</a:t>
+            </a:r>
+          </a:p>
+          <a:p>
+            <a:pPr>
+              <a:lnSpc>
+                <a:spcPts val="1425"/>
+              </a:lnSpc>
+            </a:pPr>
+            <a:r>
+              <a:rPr lang="en-IN" b="0" dirty="0">
+                <a:effectLst/>
+                <a:latin typeface="Consolas" panose="020B0609020204030204" pitchFamily="49" charset="0"/>
+              </a:rPr>
+              <a:t>    }</a:t>
+            </a:r>
+          </a:p>
+          <a:p>
+            <a:endParaRPr lang="en-IN" dirty="0"/>
+          </a:p>
+        </p:txBody>
+      </p:sp>
+    </p:spTree>
+    <p:extLst>
+      <p:ext uri="{BB962C8B-B14F-4D97-AF65-F5344CB8AC3E}">
+        <p14:creationId xmlns:p14="http://schemas.microsoft.com/office/powerpoint/2010/main" val="109175769"/>
+      </p:ext>
+    </p:extLst>
+  </p:cSld>
+  <p:clrMapOvr>
+    <a:masterClrMapping/>
+  </p:clrMapOvr>
+</p:sld>
+</file>
+
+<file path=ppt/slides/slide8.xml><?xml version="1.0" encoding="utf-8"?>
+<p:sld xmlns:a="http://schemas.openxmlformats.org/drawingml/2006/main" xmlns:r="http://schemas.openxmlformats.org/officeDocument/2006/relationships" xmlns:p="http://schemas.openxmlformats.org/presentationml/2006/main">
+  <p:cSld>
+    <p:spTree>
+      <p:nvGrpSpPr>
+        <p:cNvPr id="1" name=""/>
+        <p:cNvGrpSpPr/>
+        <p:nvPr/>
+      </p:nvGrpSpPr>
+      <p:grpSpPr>
+        <a:xfrm>
+          <a:off x="0" y="0"/>
+          <a:ext cx="0" cy="0"/>
+          <a:chOff x="0" y="0"/>
+          <a:chExt cx="0" cy="0"/>
+        </a:xfrm>
+      </p:grpSpPr>
+      <p:sp>
+        <p:nvSpPr>
+          <p:cNvPr id="2" name="Title 1">
+            <a:extLst>
+              <a:ext uri="{FF2B5EF4-FFF2-40B4-BE49-F238E27FC236}">
+                <a16:creationId xmlns:a16="http://schemas.microsoft.com/office/drawing/2014/main" id="{759F4C05-244F-5966-1E95-2A52B88DE2FA}"/>
+              </a:ext>
+            </a:extLst>
+          </p:cNvPr>
+          <p:cNvSpPr>
+            <a:spLocks noGrp="1"/>
+          </p:cNvSpPr>
+          <p:nvPr>
+            <p:ph type="title"/>
+          </p:nvPr>
+        </p:nvSpPr>
+        <p:spPr/>
+        <p:txBody>
+          <a:bodyPr/>
+          <a:lstStyle/>
+          <a:p>
+            <a:r>
+              <a:rPr lang="en-IN" dirty="0"/>
+              <a:t>Sample responses</a:t>
+            </a:r>
+          </a:p>
+        </p:txBody>
+      </p:sp>
+      <p:sp>
+        <p:nvSpPr>
+          <p:cNvPr id="3" name="Content Placeholder 2">
+            <a:extLst>
+              <a:ext uri="{FF2B5EF4-FFF2-40B4-BE49-F238E27FC236}">
+                <a16:creationId xmlns:a16="http://schemas.microsoft.com/office/drawing/2014/main" id="{D6E27F6F-A5AB-69DD-6C18-B995F67B50D1}"/>
+              </a:ext>
+            </a:extLst>
+          </p:cNvPr>
+          <p:cNvSpPr>
+            <a:spLocks noGrp="1"/>
+          </p:cNvSpPr>
+          <p:nvPr>
+            <p:ph idx="1"/>
+          </p:nvPr>
+        </p:nvSpPr>
+        <p:spPr>
+          <a:xfrm>
+            <a:off x="1262743" y="2015733"/>
+            <a:ext cx="7881257" cy="3450613"/>
+          </a:xfrm>
+        </p:spPr>
+        <p:txBody>
+          <a:bodyPr>
+            <a:noAutofit/>
+          </a:bodyPr>
+          <a:lstStyle/>
+          <a:p>
+            <a:pPr>
+              <a:lnSpc>
+                <a:spcPts val="1425"/>
+              </a:lnSpc>
+              <a:buNone/>
+            </a:pPr>
+            <a:r>
+              <a:rPr lang="en-US" sz="800" b="0" dirty="0">
+                <a:effectLst/>
+                <a:latin typeface="Consolas" panose="020B0609020204030204" pitchFamily="49" charset="0"/>
+              </a:rPr>
+              <a:t>"classification": {</a:t>
+            </a:r>
+          </a:p>
+          <a:p>
+            <a:pPr>
+              <a:lnSpc>
+                <a:spcPts val="1425"/>
+              </a:lnSpc>
+              <a:buNone/>
+            </a:pPr>
+            <a:r>
+              <a:rPr lang="en-US" sz="800" b="0" dirty="0">
+                <a:effectLst/>
+                <a:latin typeface="Consolas" panose="020B0609020204030204" pitchFamily="49" charset="0"/>
+              </a:rPr>
+              <a:t>      "label": "Money Movement Inbound",</a:t>
+            </a:r>
+          </a:p>
+          <a:p>
+            <a:pPr>
+              <a:lnSpc>
+                <a:spcPts val="1425"/>
+              </a:lnSpc>
+              <a:buNone/>
+            </a:pPr>
+            <a:r>
+              <a:rPr lang="en-US" sz="800" b="0" dirty="0">
+                <a:effectLst/>
+                <a:latin typeface="Consolas" panose="020B0609020204030204" pitchFamily="49" charset="0"/>
+              </a:rPr>
+              <a:t>      "subtype": "Principal + Interest",</a:t>
+            </a:r>
+          </a:p>
+          <a:p>
+            <a:pPr>
+              <a:lnSpc>
+                <a:spcPts val="1425"/>
+              </a:lnSpc>
+              <a:buNone/>
+            </a:pPr>
+            <a:r>
+              <a:rPr lang="en-US" sz="800" b="0" dirty="0">
+                <a:effectLst/>
+                <a:latin typeface="Consolas" panose="020B0609020204030204" pitchFamily="49" charset="0"/>
+              </a:rPr>
+              <a:t>      "score": 0.95,</a:t>
+            </a:r>
+          </a:p>
+          <a:p>
+            <a:pPr>
+              <a:lnSpc>
+                <a:spcPts val="1425"/>
+              </a:lnSpc>
+              <a:buNone/>
+            </a:pPr>
+            <a:r>
+              <a:rPr lang="en-US" sz="800" b="0" dirty="0">
+                <a:effectLst/>
+                <a:latin typeface="Consolas" panose="020B0609020204030204" pitchFamily="49" charset="0"/>
+              </a:rPr>
+              <a:t>      "reasoning": "The email explicitly states a 'Request for Money Movement Inbound' in the subject and details a transaction involving a transfer of funds ($10,000) into the specified account (CANTO R FITZGERA) on 24FEB21",</a:t>
+            </a:r>
+          </a:p>
+          <a:p>
+            <a:pPr>
+              <a:lnSpc>
+                <a:spcPts val="1425"/>
+              </a:lnSpc>
+              <a:buNone/>
+            </a:pPr>
+            <a:r>
+              <a:rPr lang="en-US" sz="800" b="0" dirty="0">
+                <a:effectLst/>
+                <a:latin typeface="Consolas" panose="020B0609020204030204" pitchFamily="49" charset="0"/>
+              </a:rPr>
+              <a:t>      "</a:t>
+            </a:r>
+            <a:r>
+              <a:rPr lang="en-US" sz="800" b="0" dirty="0" err="1">
+                <a:effectLst/>
+                <a:latin typeface="Consolas" panose="020B0609020204030204" pitchFamily="49" charset="0"/>
+              </a:rPr>
+              <a:t>llm_entities</a:t>
+            </a:r>
+            <a:r>
+              <a:rPr lang="en-US" sz="800" b="0" dirty="0">
+                <a:effectLst/>
+                <a:latin typeface="Consolas" panose="020B0609020204030204" pitchFamily="49" charset="0"/>
+              </a:rPr>
+              <a:t>": {</a:t>
+            </a:r>
+          </a:p>
+          <a:p>
+            <a:pPr>
+              <a:lnSpc>
+                <a:spcPts val="1425"/>
+              </a:lnSpc>
+              <a:buNone/>
+            </a:pPr>
+            <a:r>
+              <a:rPr lang="en-US" sz="800" b="0" dirty="0">
+                <a:effectLst/>
+                <a:latin typeface="Consolas" panose="020B0609020204030204" pitchFamily="49" charset="0"/>
+              </a:rPr>
+              <a:t>        "amount": "$10,000",</a:t>
+            </a:r>
+          </a:p>
+          <a:p>
+            <a:pPr>
+              <a:lnSpc>
+                <a:spcPts val="1425"/>
+              </a:lnSpc>
+              <a:buNone/>
+            </a:pPr>
+            <a:r>
+              <a:rPr lang="en-US" sz="800" b="0" dirty="0">
+                <a:effectLst/>
+                <a:latin typeface="Consolas" panose="020B0609020204030204" pitchFamily="49" charset="0"/>
+              </a:rPr>
+              <a:t>        "date": "24FEB21",</a:t>
+            </a:r>
+          </a:p>
+          <a:p>
+            <a:pPr>
+              <a:lnSpc>
+                <a:spcPts val="1425"/>
+              </a:lnSpc>
+              <a:buNone/>
+            </a:pPr>
+            <a:r>
+              <a:rPr lang="en-US" sz="800" b="0" dirty="0">
+                <a:effectLst/>
+                <a:latin typeface="Consolas" panose="020B0609020204030204" pitchFamily="49" charset="0"/>
+              </a:rPr>
+              <a:t>        "account": "CANTO R FITZGERA",</a:t>
+            </a:r>
+          </a:p>
+          <a:p>
+            <a:pPr>
+              <a:lnSpc>
+                <a:spcPts val="1425"/>
+              </a:lnSpc>
+              <a:buNone/>
+            </a:pPr>
+            <a:r>
+              <a:rPr lang="en-US" sz="800" b="0" dirty="0">
+                <a:effectLst/>
+                <a:latin typeface="Consolas" panose="020B0609020204030204" pitchFamily="49" charset="0"/>
+              </a:rPr>
+              <a:t>        "</a:t>
+            </a:r>
+            <a:r>
+              <a:rPr lang="en-US" sz="800" b="0" dirty="0" err="1">
+                <a:effectLst/>
+                <a:latin typeface="Consolas" panose="020B0609020204030204" pitchFamily="49" charset="0"/>
+              </a:rPr>
+              <a:t>loan_id</a:t>
+            </a:r>
+            <a:r>
+              <a:rPr lang="en-US" sz="800" b="0" dirty="0">
+                <a:effectLst/>
+                <a:latin typeface="Consolas" panose="020B0609020204030204" pitchFamily="49" charset="0"/>
+              </a:rPr>
+              <a:t>": null,</a:t>
+            </a:r>
+          </a:p>
+          <a:p>
+            <a:pPr>
+              <a:lnSpc>
+                <a:spcPts val="1425"/>
+              </a:lnSpc>
+              <a:buNone/>
+            </a:pPr>
+            <a:r>
+              <a:rPr lang="en-US" sz="800" b="0" dirty="0">
+                <a:effectLst/>
+                <a:latin typeface="Consolas" panose="020B0609020204030204" pitchFamily="49" charset="0"/>
+              </a:rPr>
+              <a:t>        "</a:t>
+            </a:r>
+            <a:r>
+              <a:rPr lang="en-US" sz="800" b="0" dirty="0" err="1">
+                <a:effectLst/>
+                <a:latin typeface="Consolas" panose="020B0609020204030204" pitchFamily="49" charset="0"/>
+              </a:rPr>
+              <a:t>current_rate</a:t>
+            </a:r>
+            <a:r>
+              <a:rPr lang="en-US" sz="800" b="0" dirty="0">
+                <a:effectLst/>
+                <a:latin typeface="Consolas" panose="020B0609020204030204" pitchFamily="49" charset="0"/>
+              </a:rPr>
+              <a:t>": null,</a:t>
+            </a:r>
+          </a:p>
+          <a:p>
+            <a:pPr>
+              <a:lnSpc>
+                <a:spcPts val="1425"/>
+              </a:lnSpc>
+              <a:buNone/>
+            </a:pPr>
+            <a:r>
+              <a:rPr lang="en-US" sz="800" b="0" dirty="0">
+                <a:effectLst/>
+                <a:latin typeface="Consolas" panose="020B0609020204030204" pitchFamily="49" charset="0"/>
+              </a:rPr>
+              <a:t>        "</a:t>
+            </a:r>
+            <a:r>
+              <a:rPr lang="en-US" sz="800" b="0" dirty="0" err="1">
+                <a:effectLst/>
+                <a:latin typeface="Consolas" panose="020B0609020204030204" pitchFamily="49" charset="0"/>
+              </a:rPr>
+              <a:t>requested_rate</a:t>
+            </a:r>
+            <a:r>
+              <a:rPr lang="en-US" sz="800" b="0" dirty="0">
+                <a:effectLst/>
+                <a:latin typeface="Consolas" panose="020B0609020204030204" pitchFamily="49" charset="0"/>
+              </a:rPr>
+              <a:t>": null</a:t>
+            </a:r>
+          </a:p>
+          <a:p>
+            <a:pPr>
+              <a:lnSpc>
+                <a:spcPts val="1425"/>
+              </a:lnSpc>
+            </a:pPr>
+            <a:r>
+              <a:rPr lang="en-US" sz="800" b="0" dirty="0">
+                <a:effectLst/>
+                <a:latin typeface="Consolas" panose="020B0609020204030204" pitchFamily="49" charset="0"/>
+              </a:rPr>
+              <a:t>      }</a:t>
+            </a:r>
+          </a:p>
+          <a:p>
+            <a:endParaRPr lang="en-IN" sz="800" dirty="0"/>
+          </a:p>
+        </p:txBody>
+      </p:sp>
+    </p:spTree>
+    <p:extLst>
+      <p:ext uri="{BB962C8B-B14F-4D97-AF65-F5344CB8AC3E}">
+        <p14:creationId xmlns:p14="http://schemas.microsoft.com/office/powerpoint/2010/main" val="2042152809"/>
+      </p:ext>
+    </p:extLst>
+  </p:cSld>
+  <p:clrMapOvr>
+    <a:masterClrMapping/>
+  </p:clrMapOvr>
+</p:sld>
+</file>
+
+<file path=ppt/slides/slide9.xml><?xml version="1.0" encoding="utf-8"?>
+<p:sld xmlns:a="http://schemas.openxmlformats.org/drawingml/2006/main" xmlns:r="http://schemas.openxmlformats.org/officeDocument/2006/relationships" xmlns:p="http://schemas.openxmlformats.org/presentationml/2006/main">
+  <p:cSld>
+    <p:spTree>
+      <p:nvGrpSpPr>
+        <p:cNvPr id="1" name=""/>
+        <p:cNvGrpSpPr/>
+        <p:nvPr/>
+      </p:nvGrpSpPr>
+      <p:grpSpPr>
+        <a:xfrm>
+          <a:off x="0" y="0"/>
+          <a:ext cx="0" cy="0"/>
+          <a:chOff x="0" y="0"/>
+          <a:chExt cx="0" cy="0"/>
+        </a:xfrm>
+      </p:grpSpPr>
+      <p:sp>
+        <p:nvSpPr>
+          <p:cNvPr id="2" name="Title 1">
+            <a:extLst>
+              <a:ext uri="{FF2B5EF4-FFF2-40B4-BE49-F238E27FC236}">
+                <a16:creationId xmlns:a16="http://schemas.microsoft.com/office/drawing/2014/main" id="{5FBB7CC5-3986-4960-2133-2248E8034DA0}"/>
+              </a:ext>
+            </a:extLst>
+          </p:cNvPr>
+          <p:cNvSpPr>
+            <a:spLocks noGrp="1"/>
+          </p:cNvSpPr>
+          <p:nvPr>
+            <p:ph type="title"/>
+          </p:nvPr>
+        </p:nvSpPr>
+        <p:spPr/>
+        <p:txBody>
+          <a:bodyPr/>
+          <a:lstStyle/>
+          <a:p>
+            <a:r>
+              <a:rPr lang="en-IN" dirty="0"/>
+              <a:t>User Interface  to manage request and sub-request type</a:t>
+            </a:r>
+          </a:p>
+        </p:txBody>
+      </p:sp>
+      <p:pic>
+        <p:nvPicPr>
+          <p:cNvPr id="5" name="Content Placeholder 4">
+            <a:extLst>
+              <a:ext uri="{FF2B5EF4-FFF2-40B4-BE49-F238E27FC236}">
+                <a16:creationId xmlns:a16="http://schemas.microsoft.com/office/drawing/2014/main" id="{171CEEAF-FF1C-1D24-4951-9D5FEA9532D5}"/>
+              </a:ext>
+            </a:extLst>
+          </p:cNvPr>
+          <p:cNvPicPr>
+            <a:picLocks noGrp="1" noChangeAspect="1"/>
+          </p:cNvPicPr>
+          <p:nvPr>
+            <p:ph idx="1"/>
+          </p:nvPr>
+        </p:nvPicPr>
+        <p:blipFill>
+          <a:blip r:embed="rId2"/>
+          <a:stretch>
+            <a:fillRect/>
+          </a:stretch>
+        </p:blipFill>
+        <p:spPr>
+          <a:xfrm>
+            <a:off x="1662818" y="2016125"/>
+            <a:ext cx="6132689" cy="3449638"/>
+          </a:xfrm>
+        </p:spPr>
+      </p:pic>
+    </p:spTree>
+    <p:extLst>
+      <p:ext uri="{BB962C8B-B14F-4D97-AF65-F5344CB8AC3E}">
+        <p14:creationId xmlns:p14="http://schemas.microsoft.com/office/powerpoint/2010/main" val="2472842593"/>
+      </p:ext>
+    </p:extLst>
   </p:cSld>
   <p:clrMapOvr>
     <a:masterClrMapping/>

--- a/artifacts/demo/Email_Classification.pptx
+++ b/artifacts/demo/Email_Classification.pptx
@@ -271,7 +271,7 @@
           <a:p>
             <a:fld id="{5BCAD085-E8A6-8845-BD4E-CB4CCA059FC4}" type="datetimeFigureOut">
               <a:rPr lang="en-US" smtClean="0"/>
-              <a:t>3/26/2025</a:t>
+              <a:t>3/27/2025</a:t>
             </a:fld>
             <a:endParaRPr lang="en-US"/>
           </a:p>
@@ -513,7 +513,7 @@
           <a:p>
             <a:fld id="{5BCAD085-E8A6-8845-BD4E-CB4CCA059FC4}" type="datetimeFigureOut">
               <a:rPr lang="en-US" smtClean="0"/>
-              <a:t>3/26/2025</a:t>
+              <a:t>3/27/2025</a:t>
             </a:fld>
             <a:endParaRPr lang="en-US"/>
           </a:p>
@@ -697,7 +697,7 @@
           <a:p>
             <a:fld id="{5BCAD085-E8A6-8845-BD4E-CB4CCA059FC4}" type="datetimeFigureOut">
               <a:rPr lang="en-US" smtClean="0"/>
-              <a:t>3/26/2025</a:t>
+              <a:t>3/27/2025</a:t>
             </a:fld>
             <a:endParaRPr lang="en-US"/>
           </a:p>
@@ -898,7 +898,7 @@
           <a:p>
             <a:fld id="{5BCAD085-E8A6-8845-BD4E-CB4CCA059FC4}" type="datetimeFigureOut">
               <a:rPr lang="en-US" smtClean="0"/>
-              <a:t>3/26/2025</a:t>
+              <a:t>3/27/2025</a:t>
             </a:fld>
             <a:endParaRPr lang="en-US"/>
           </a:p>
@@ -1177,7 +1177,7 @@
           <a:p>
             <a:fld id="{5BCAD085-E8A6-8845-BD4E-CB4CCA059FC4}" type="datetimeFigureOut">
               <a:rPr lang="en-US" smtClean="0"/>
-              <a:t>3/26/2025</a:t>
+              <a:t>3/27/2025</a:t>
             </a:fld>
             <a:endParaRPr lang="en-US"/>
           </a:p>
@@ -1445,7 +1445,7 @@
           <a:p>
             <a:fld id="{5BCAD085-E8A6-8845-BD4E-CB4CCA059FC4}" type="datetimeFigureOut">
               <a:rPr lang="en-US" smtClean="0"/>
-              <a:t>3/26/2025</a:t>
+              <a:t>3/27/2025</a:t>
             </a:fld>
             <a:endParaRPr lang="en-US"/>
           </a:p>
@@ -1892,7 +1892,7 @@
           <a:p>
             <a:fld id="{5BCAD085-E8A6-8845-BD4E-CB4CCA059FC4}" type="datetimeFigureOut">
               <a:rPr lang="en-US" smtClean="0"/>
-              <a:t>3/26/2025</a:t>
+              <a:t>3/27/2025</a:t>
             </a:fld>
             <a:endParaRPr lang="en-US"/>
           </a:p>
@@ -2041,7 +2041,7 @@
           <a:p>
             <a:fld id="{5BCAD085-E8A6-8845-BD4E-CB4CCA059FC4}" type="datetimeFigureOut">
               <a:rPr lang="en-US" smtClean="0"/>
-              <a:t>3/26/2025</a:t>
+              <a:t>3/27/2025</a:t>
             </a:fld>
             <a:endParaRPr lang="en-US"/>
           </a:p>
@@ -2136,7 +2136,7 @@
           <a:p>
             <a:fld id="{5BCAD085-E8A6-8845-BD4E-CB4CCA059FC4}" type="datetimeFigureOut">
               <a:rPr lang="en-US" smtClean="0"/>
-              <a:t>3/26/2025</a:t>
+              <a:t>3/27/2025</a:t>
             </a:fld>
             <a:endParaRPr lang="en-US"/>
           </a:p>
@@ -2389,7 +2389,7 @@
           <a:p>
             <a:fld id="{5BCAD085-E8A6-8845-BD4E-CB4CCA059FC4}" type="datetimeFigureOut">
               <a:rPr lang="en-US" smtClean="0"/>
-              <a:t>3/26/2025</a:t>
+              <a:t>3/27/2025</a:t>
             </a:fld>
             <a:endParaRPr lang="en-US"/>
           </a:p>
@@ -2834,7 +2834,7 @@
           <a:p>
             <a:fld id="{5BCAD085-E8A6-8845-BD4E-CB4CCA059FC4}" type="datetimeFigureOut">
               <a:rPr lang="en-US" smtClean="0"/>
-              <a:t>3/26/2025</a:t>
+              <a:t>3/27/2025</a:t>
             </a:fld>
             <a:endParaRPr lang="en-US"/>
           </a:p>
@@ -3198,7 +3198,7 @@
           <a:p>
             <a:fld id="{5BCAD085-E8A6-8845-BD4E-CB4CCA059FC4}" type="datetimeFigureOut">
               <a:rPr lang="en-US" smtClean="0"/>
-              <a:t>3/26/2025</a:t>
+              <a:t>3/27/2025</a:t>
             </a:fld>
             <a:endParaRPr lang="en-US"/>
           </a:p>
@@ -4246,12 +4246,18 @@
             <p:ph type="title"/>
           </p:nvPr>
         </p:nvSpPr>
-        <p:spPr/>
+        <p:spPr>
+          <a:xfrm>
+            <a:off x="1286328" y="812222"/>
+            <a:ext cx="6571343" cy="1049235"/>
+          </a:xfrm>
+        </p:spPr>
         <p:txBody>
           <a:bodyPr/>
           <a:lstStyle/>
           <a:p>
             <a:r>
+              <a:rPr dirty="0"/>
               <a:t>Sample Output &amp; Results</a:t>
             </a:r>
           </a:p>
@@ -4267,26 +4273,74 @@
             <p:ph idx="1"/>
           </p:nvPr>
         </p:nvSpPr>
-        <p:spPr/>
-        <p:txBody>
-          <a:bodyPr/>
-          <a:lstStyle/>
-          <a:p>
-            <a:r>
-              <a:rPr dirty="0"/>
-              <a:t>Example email classifications</a:t>
-            </a:r>
-          </a:p>
-          <a:p>
-            <a:r>
-              <a:rPr dirty="0"/>
-              <a:t>Confidence scores, detected duplicates</a:t>
-            </a:r>
-          </a:p>
-          <a:p>
-            <a:r>
-              <a:rPr dirty="0"/>
-              <a:t>Assigned team &amp; priority levels</a:t>
+        <p:spPr>
+          <a:xfrm>
+            <a:off x="729343" y="1861457"/>
+            <a:ext cx="8088086" cy="4111059"/>
+          </a:xfrm>
+        </p:spPr>
+        <p:txBody>
+          <a:bodyPr>
+            <a:normAutofit/>
+          </a:bodyPr>
+          <a:lstStyle/>
+          <a:p>
+            <a:r>
+              <a:rPr lang="en-IN" dirty="0"/>
+              <a:t>JSON output:  to include:</a:t>
+            </a:r>
+          </a:p>
+          <a:p>
+            <a:pPr marL="457200" lvl="1" indent="0">
+              <a:buNone/>
+            </a:pPr>
+            <a:r>
+              <a:rPr lang="en-US" dirty="0"/>
+              <a:t>1. Classification info including: Type / </a:t>
+            </a:r>
+            <a:r>
+              <a:rPr lang="en-US" dirty="0" err="1"/>
+              <a:t>SubType</a:t>
+            </a:r>
+            <a:r>
+              <a:rPr lang="en-US" dirty="0"/>
+              <a:t> / Priority / Confidence score / Reasoning</a:t>
+            </a:r>
+          </a:p>
+          <a:p>
+            <a:pPr marL="457200" lvl="1" indent="0">
+              <a:buNone/>
+            </a:pPr>
+            <a:r>
+              <a:rPr lang="en-US" dirty="0"/>
+              <a:t>2. Key entities as determined by LLM : Amount / Date / Account</a:t>
+            </a:r>
+          </a:p>
+          <a:p>
+            <a:pPr marL="457200" lvl="1" indent="0">
+              <a:buNone/>
+            </a:pPr>
+            <a:r>
+              <a:rPr lang="en-US" dirty="0"/>
+              <a:t>3. Metadata: from / to / subject / date</a:t>
+            </a:r>
+          </a:p>
+          <a:p>
+            <a:pPr marL="457200" lvl="1" indent="0">
+              <a:buNone/>
+            </a:pPr>
+            <a:r>
+              <a:rPr lang="en-US" dirty="0"/>
+              <a:t>4. Duplicate information : If duplicate / duplicate of / duplication score(level) / Intent (reason)</a:t>
+            </a:r>
+          </a:p>
+          <a:p>
+            <a:pPr marL="457200" lvl="1" indent="0">
+              <a:buNone/>
+            </a:pPr>
+            <a:r>
+              <a:rPr lang="en-US" dirty="0"/>
+              <a:t>5. Team assignment based on type/ subtype </a:t>
             </a:r>
             <a:endParaRPr lang="en-IN" dirty="0"/>
           </a:p>
@@ -4296,11 +4350,8 @@
           <a:p>
             <a:r>
               <a:rPr lang="en-IN" dirty="0"/>
-              <a:t>JSON output:</a:t>
-            </a:r>
-          </a:p>
-          <a:p>
-            <a:endParaRPr lang="en-IN" dirty="0"/>
+              <a:t>Example :</a:t>
+            </a:r>
           </a:p>
           <a:p>
             <a:endParaRPr lang="en-IN" dirty="0"/>
@@ -4328,13 +4379,13 @@
           <p:nvPr>
             <p:extLst>
               <p:ext uri="{D42A27DB-BD31-4B8C-83A1-F6EECF244321}">
-                <p14:modId xmlns:p14="http://schemas.microsoft.com/office/powerpoint/2010/main" val="1885117668"/>
+                <p14:modId xmlns:p14="http://schemas.microsoft.com/office/powerpoint/2010/main" val="1060191870"/>
               </p:ext>
             </p:extLst>
           </p:nvPr>
         </p:nvGraphicFramePr>
         <p:xfrm>
-          <a:off x="729343" y="3848894"/>
+          <a:off x="2111828" y="4893470"/>
           <a:ext cx="914400" cy="806450"/>
         </p:xfrm>
         <a:graphic>
@@ -4362,7 +4413,7 @@
                     </p:blipFill>
                     <p:spPr>
                       <a:xfrm>
-                        <a:off x="729343" y="3848894"/>
+                        <a:off x="2111828" y="4893470"/>
                         <a:ext cx="914400" cy="806450"/>
                       </a:xfrm>
                       <a:prstGeom prst="rect">
